--- a/Concurrent Programming in .NET.pptx
+++ b/Concurrent Programming in .NET.pptx
@@ -21874,7 +21874,7 @@
             </a:pPr>
             <a:r>
               <a:rPr lang="en-US" dirty="0"/>
-              <a:t>https://www.slideshare.net/JasonBock2/</a:t>
+              <a:t>https://github.com/JasonBock/Presentations/blob/master/</a:t>
             </a:r>
           </a:p>
           <a:p>
@@ -21883,7 +21883,7 @@
             </a:pPr>
             <a:r>
               <a:rPr lang="en-US" dirty="0"/>
-              <a:t>concurrent-programming-in-net </a:t>
+              <a:t>Concurrent%20Programming%20in%20.NET.pptx </a:t>
             </a:r>
           </a:p>
           <a:p>
@@ -25433,8 +25433,8 @@
         </p:nvSpPr>
         <p:spPr>
           <a:xfrm>
-            <a:off x="1183620" y="3222334"/>
-            <a:ext cx="9927077" cy="2677656"/>
+            <a:off x="2112303" y="2633054"/>
+            <a:ext cx="8069710" cy="3046988"/>
           </a:xfrm>
           <a:prstGeom prst="rect">
             <a:avLst/>
@@ -25463,7 +25463,16 @@
             </a:pPr>
             <a:r>
               <a:rPr lang="pt-BR" sz="2400" dirty="0"/>
-              <a:t>https://www.slideshare.net/JasonBock2/concurrent-programming-in-net</a:t>
+              <a:t>https://github.com/JasonBock/Presentations/blob/master/</a:t>
+            </a:r>
+          </a:p>
+          <a:p>
+            <a:pPr marL="68580" indent="0" algn="ctr">
+              <a:buNone/>
+            </a:pPr>
+            <a:r>
+              <a:rPr lang="pt-BR" sz="2400" dirty="0"/>
+              <a:t>Concurrent%20Programming%20in%20.NET.pptx</a:t>
             </a:r>
           </a:p>
           <a:p>
@@ -29506,7 +29515,7 @@
         <p:spPr>
           <a:xfrm>
             <a:off x="2154643" y="3979453"/>
-            <a:ext cx="6643917" cy="1933667"/>
+            <a:ext cx="6318797" cy="1933667"/>
           </a:xfrm>
           <a:prstGeom prst="rect">
             <a:avLst/>
@@ -29534,7 +29543,7 @@
             </a:pPr>
             <a:r>
               <a:rPr lang="en-US" dirty="0"/>
-              <a:t>https://www.slideshare.net/JasonBock2/concurrent-programming-in-net</a:t>
+              <a:t>https://github.com/JasonBock/Presentations/blob/master/Concurrent%20Programming%20in%20.NET.pptx</a:t>
             </a:r>
           </a:p>
           <a:p>
